--- a/docs/ConcordePresentation.pptx
+++ b/docs/ConcordePresentation.pptx
@@ -5,22 +5,23 @@
     <p:sldMasterId id="2147483672" r:id="rId1"/>
   </p:sldMasterIdLst>
   <p:notesMasterIdLst>
-    <p:notesMasterId r:id="rId7"/>
+    <p:notesMasterId r:id="rId8"/>
   </p:notesMasterIdLst>
   <p:sldIdLst>
     <p:sldId id="256" r:id="rId2"/>
     <p:sldId id="279" r:id="rId3"/>
-    <p:sldId id="257" r:id="rId4"/>
-    <p:sldId id="274" r:id="rId5"/>
-    <p:sldId id="278" r:id="rId6"/>
+    <p:sldId id="280" r:id="rId4"/>
+    <p:sldId id="257" r:id="rId5"/>
+    <p:sldId id="274" r:id="rId6"/>
+    <p:sldId id="278" r:id="rId7"/>
   </p:sldIdLst>
   <p:sldSz cx="9144000" cy="5143500" type="screen16x9"/>
   <p:notesSz cx="6858000" cy="9144000"/>
   <p:embeddedFontLst>
     <p:embeddedFont>
       <p:font typeface="Fira Code" panose="020B0604020202020204" charset="0"/>
-      <p:regular r:id="rId8"/>
-      <p:bold r:id="rId9"/>
+      <p:regular r:id="rId9"/>
+      <p:bold r:id="rId10"/>
     </p:embeddedFont>
   </p:embeddedFontLst>
   <p:defaultTextStyle>
@@ -929,7 +930,7 @@
   <p:cSld>
     <p:spTree>
       <p:nvGrpSpPr>
-        <p:cNvPr id="1" name="Shape 467"/>
+        <p:cNvPr id="1" name="Shape 476"/>
         <p:cNvGrpSpPr/>
         <p:nvPr/>
       </p:nvGrpSpPr>
@@ -943,7 +944,7 @@
       </p:grpSpPr>
       <p:sp>
         <p:nvSpPr>
-          <p:cNvPr id="468" name="Google Shape;468;ge7f9c668d6_0_0:notes"/>
+          <p:cNvPr id="477" name="Google Shape;477;ge7b3cc9d39_0_0:notes"/>
           <p:cNvSpPr>
             <a:spLocks noGrp="1" noRot="1" noChangeAspect="1"/>
           </p:cNvSpPr>
@@ -984,7 +985,7 @@
       </p:sp>
       <p:sp>
         <p:nvSpPr>
-          <p:cNvPr id="469" name="Google Shape;469;ge7f9c668d6_0_0:notes"/>
+          <p:cNvPr id="478" name="Google Shape;478;ge7b3cc9d39_0_0:notes"/>
           <p:cNvSpPr txBox="1">
             <a:spLocks noGrp="1"/>
           </p:cNvSpPr>
@@ -1023,7 +1024,7 @@
     </p:spTree>
     <p:extLst>
       <p:ext uri="{BB962C8B-B14F-4D97-AF65-F5344CB8AC3E}">
-        <p14:creationId xmlns:p14="http://schemas.microsoft.com/office/powerpoint/2010/main" val="1690466426"/>
+        <p14:creationId xmlns:p14="http://schemas.microsoft.com/office/powerpoint/2010/main" val="1762255946"/>
       </p:ext>
     </p:extLst>
   </p:cSld>
@@ -1038,7 +1039,7 @@
   <p:cSld>
     <p:spTree>
       <p:nvGrpSpPr>
-        <p:cNvPr id="1" name="Shape 882"/>
+        <p:cNvPr id="1" name="Shape 467"/>
         <p:cNvGrpSpPr/>
         <p:nvPr/>
       </p:nvGrpSpPr>
@@ -1052,7 +1053,7 @@
       </p:grpSpPr>
       <p:sp>
         <p:nvSpPr>
-          <p:cNvPr id="883" name="Google Shape;883;ge7f9c668d6_0_1036:notes"/>
+          <p:cNvPr id="468" name="Google Shape;468;ge7f9c668d6_0_0:notes"/>
           <p:cNvSpPr>
             <a:spLocks noGrp="1" noRot="1" noChangeAspect="1"/>
           </p:cNvSpPr>
@@ -1093,6 +1094,115 @@
       </p:sp>
       <p:sp>
         <p:nvSpPr>
+          <p:cNvPr id="469" name="Google Shape;469;ge7f9c668d6_0_0:notes"/>
+          <p:cNvSpPr txBox="1">
+            <a:spLocks noGrp="1"/>
+          </p:cNvSpPr>
+          <p:nvPr>
+            <p:ph type="body" idx="1"/>
+          </p:nvPr>
+        </p:nvSpPr>
+        <p:spPr>
+          <a:xfrm>
+            <a:off x="685800" y="4343400"/>
+            <a:ext cx="5486400" cy="4114800"/>
+          </a:xfrm>
+          <a:prstGeom prst="rect">
+            <a:avLst/>
+          </a:prstGeom>
+        </p:spPr>
+        <p:txBody>
+          <a:bodyPr spcFirstLastPara="1" wrap="square" lIns="91425" tIns="91425" rIns="91425" bIns="91425" anchor="t" anchorCtr="0">
+            <a:noAutofit/>
+          </a:bodyPr>
+          <a:lstStyle/>
+          <a:p>
+            <a:pPr marL="0" lvl="0" indent="0" algn="l" rtl="0">
+              <a:spcBef>
+                <a:spcPts val="0"/>
+              </a:spcBef>
+              <a:spcAft>
+                <a:spcPts val="0"/>
+              </a:spcAft>
+              <a:buNone/>
+            </a:pPr>
+            <a:endParaRPr/>
+          </a:p>
+        </p:txBody>
+      </p:sp>
+    </p:spTree>
+    <p:extLst>
+      <p:ext uri="{BB962C8B-B14F-4D97-AF65-F5344CB8AC3E}">
+        <p14:creationId xmlns:p14="http://schemas.microsoft.com/office/powerpoint/2010/main" val="1690466426"/>
+      </p:ext>
+    </p:extLst>
+  </p:cSld>
+  <p:clrMapOvr>
+    <a:masterClrMapping/>
+  </p:clrMapOvr>
+</p:notes>
+</file>
+
+<file path=ppt/notesSlides/notesSlide5.xml><?xml version="1.0" encoding="utf-8"?>
+<p:notes xmlns:a="http://schemas.openxmlformats.org/drawingml/2006/main" xmlns:r="http://schemas.openxmlformats.org/officeDocument/2006/relationships" xmlns:p="http://schemas.openxmlformats.org/presentationml/2006/main" showMasterSp="0" showMasterPhAnim="0">
+  <p:cSld>
+    <p:spTree>
+      <p:nvGrpSpPr>
+        <p:cNvPr id="1" name="Shape 882"/>
+        <p:cNvGrpSpPr/>
+        <p:nvPr/>
+      </p:nvGrpSpPr>
+      <p:grpSpPr>
+        <a:xfrm>
+          <a:off x="0" y="0"/>
+          <a:ext cx="0" cy="0"/>
+          <a:chOff x="0" y="0"/>
+          <a:chExt cx="0" cy="0"/>
+        </a:xfrm>
+      </p:grpSpPr>
+      <p:sp>
+        <p:nvSpPr>
+          <p:cNvPr id="883" name="Google Shape;883;ge7f9c668d6_0_1036:notes"/>
+          <p:cNvSpPr>
+            <a:spLocks noGrp="1" noRot="1" noChangeAspect="1"/>
+          </p:cNvSpPr>
+          <p:nvPr>
+            <p:ph type="sldImg" idx="2"/>
+          </p:nvPr>
+        </p:nvSpPr>
+        <p:spPr>
+          <a:xfrm>
+            <a:off x="381000" y="685800"/>
+            <a:ext cx="6096000" cy="3429000"/>
+          </a:xfrm>
+          <a:custGeom>
+            <a:avLst/>
+            <a:gdLst/>
+            <a:ahLst/>
+            <a:cxnLst/>
+            <a:rect l="l" t="t" r="r" b="b"/>
+            <a:pathLst>
+              <a:path w="120000" h="120000" extrusionOk="0">
+                <a:moveTo>
+                  <a:pt x="0" y="0"/>
+                </a:moveTo>
+                <a:lnTo>
+                  <a:pt x="120000" y="0"/>
+                </a:lnTo>
+                <a:lnTo>
+                  <a:pt x="120000" y="120000"/>
+                </a:lnTo>
+                <a:lnTo>
+                  <a:pt x="0" y="120000"/>
+                </a:lnTo>
+                <a:close/>
+              </a:path>
+            </a:pathLst>
+          </a:custGeom>
+        </p:spPr>
+      </p:sp>
+      <p:sp>
+        <p:nvSpPr>
           <p:cNvPr id="884" name="Google Shape;884;ge7f9c668d6_0_1036:notes"/>
           <p:cNvSpPr txBox="1">
             <a:spLocks noGrp="1"/>
@@ -1142,7 +1252,7 @@
 </p:notes>
 </file>
 
-<file path=ppt/notesSlides/notesSlide5.xml><?xml version="1.0" encoding="utf-8"?>
+<file path=ppt/notesSlides/notesSlide6.xml><?xml version="1.0" encoding="utf-8"?>
 <p:notes xmlns:a="http://schemas.openxmlformats.org/drawingml/2006/main" xmlns:r="http://schemas.openxmlformats.org/officeDocument/2006/relationships" xmlns:p="http://schemas.openxmlformats.org/presentationml/2006/main" showMasterSp="0" showMasterPhAnim="0">
   <p:cSld>
     <p:spTree>
@@ -8893,7 +9003,7 @@
                 <a:hlinkClick r:id="rId2">
                   <a:extLst>
                     <a:ext uri="{A12FA001-AC4F-418D-AE19-62706E023703}">
-                      <ahyp:hlinkClr xmlns="" xmlns:mc="http://schemas.openxmlformats.org/markup-compatibility/2006" xmlns:mv="urn:schemas-microsoft-com:mac:vml" xmlns:c="http://schemas.openxmlformats.org/drawingml/2006/chart" xmlns:dgm="http://schemas.openxmlformats.org/drawingml/2006/diagram" xmlns:o="urn:schemas-microsoft-com:office:office" xmlns:v="urn:schemas-microsoft-com:vml" xmlns:pvml="urn:schemas-microsoft-com:office:powerpoint" xmlns:com="http://schemas.openxmlformats.org/drawingml/2006/compatibility" xmlns:p14="http://schemas.microsoft.com/office/powerpoint/2010/main" xmlns:p15="http://schemas.microsoft.com/office/powerpoint/2012/main" xmlns:ahyp="http://schemas.microsoft.com/office/drawing/2018/hyperlinkcolor" val="tx"/>
+                      <ahyp:hlinkClr xmlns:ahyp="http://schemas.microsoft.com/office/drawing/2018/hyperlinkcolor" xmlns:p15="http://schemas.microsoft.com/office/powerpoint/2012/main" xmlns:p14="http://schemas.microsoft.com/office/powerpoint/2010/main" xmlns:com="http://schemas.openxmlformats.org/drawingml/2006/compatibility" xmlns:pvml="urn:schemas-microsoft-com:office:powerpoint" xmlns:v="urn:schemas-microsoft-com:vml" xmlns:o="urn:schemas-microsoft-com:office:office" xmlns:dgm="http://schemas.openxmlformats.org/drawingml/2006/diagram" xmlns:c="http://schemas.openxmlformats.org/drawingml/2006/chart" xmlns:mv="urn:schemas-microsoft-com:mac:vml" xmlns:mc="http://schemas.openxmlformats.org/markup-compatibility/2006" xmlns="" val="tx"/>
                     </a:ext>
                   </a:extLst>
                 </a:hlinkClick>
@@ -8927,7 +9037,7 @@
                 <a:hlinkClick r:id="rId3">
                   <a:extLst>
                     <a:ext uri="{A12FA001-AC4F-418D-AE19-62706E023703}">
-                      <ahyp:hlinkClr xmlns="" xmlns:mc="http://schemas.openxmlformats.org/markup-compatibility/2006" xmlns:mv="urn:schemas-microsoft-com:mac:vml" xmlns:c="http://schemas.openxmlformats.org/drawingml/2006/chart" xmlns:dgm="http://schemas.openxmlformats.org/drawingml/2006/diagram" xmlns:o="urn:schemas-microsoft-com:office:office" xmlns:v="urn:schemas-microsoft-com:vml" xmlns:pvml="urn:schemas-microsoft-com:office:powerpoint" xmlns:com="http://schemas.openxmlformats.org/drawingml/2006/compatibility" xmlns:p14="http://schemas.microsoft.com/office/powerpoint/2010/main" xmlns:p15="http://schemas.microsoft.com/office/powerpoint/2012/main" xmlns:ahyp="http://schemas.microsoft.com/office/drawing/2018/hyperlinkcolor" val="tx"/>
+                      <ahyp:hlinkClr xmlns:ahyp="http://schemas.microsoft.com/office/drawing/2018/hyperlinkcolor" xmlns:p15="http://schemas.microsoft.com/office/powerpoint/2012/main" xmlns:p14="http://schemas.microsoft.com/office/powerpoint/2010/main" xmlns:com="http://schemas.openxmlformats.org/drawingml/2006/compatibility" xmlns:pvml="urn:schemas-microsoft-com:office:powerpoint" xmlns:v="urn:schemas-microsoft-com:vml" xmlns:o="urn:schemas-microsoft-com:office:office" xmlns:dgm="http://schemas.openxmlformats.org/drawingml/2006/diagram" xmlns:c="http://schemas.openxmlformats.org/drawingml/2006/chart" xmlns:mv="urn:schemas-microsoft-com:mac:vml" xmlns:mc="http://schemas.openxmlformats.org/markup-compatibility/2006" xmlns="" val="tx"/>
                     </a:ext>
                   </a:extLst>
                 </a:hlinkClick>
@@ -8961,7 +9071,7 @@
                 <a:hlinkClick r:id="rId4">
                   <a:extLst>
                     <a:ext uri="{A12FA001-AC4F-418D-AE19-62706E023703}">
-                      <ahyp:hlinkClr xmlns="" xmlns:mc="http://schemas.openxmlformats.org/markup-compatibility/2006" xmlns:mv="urn:schemas-microsoft-com:mac:vml" xmlns:c="http://schemas.openxmlformats.org/drawingml/2006/chart" xmlns:dgm="http://schemas.openxmlformats.org/drawingml/2006/diagram" xmlns:o="urn:schemas-microsoft-com:office:office" xmlns:v="urn:schemas-microsoft-com:vml" xmlns:pvml="urn:schemas-microsoft-com:office:powerpoint" xmlns:com="http://schemas.openxmlformats.org/drawingml/2006/compatibility" xmlns:p14="http://schemas.microsoft.com/office/powerpoint/2010/main" xmlns:p15="http://schemas.microsoft.com/office/powerpoint/2012/main" xmlns:ahyp="http://schemas.microsoft.com/office/drawing/2018/hyperlinkcolor" val="tx"/>
+                      <ahyp:hlinkClr xmlns:ahyp="http://schemas.microsoft.com/office/drawing/2018/hyperlinkcolor" xmlns:p15="http://schemas.microsoft.com/office/powerpoint/2012/main" xmlns:p14="http://schemas.microsoft.com/office/powerpoint/2010/main" xmlns:com="http://schemas.openxmlformats.org/drawingml/2006/compatibility" xmlns:pvml="urn:schemas-microsoft-com:office:powerpoint" xmlns:v="urn:schemas-microsoft-com:vml" xmlns:o="urn:schemas-microsoft-com:office:office" xmlns:dgm="http://schemas.openxmlformats.org/drawingml/2006/diagram" xmlns:c="http://schemas.openxmlformats.org/drawingml/2006/chart" xmlns:mv="urn:schemas-microsoft-com:mac:vml" xmlns:mc="http://schemas.openxmlformats.org/markup-compatibility/2006" xmlns="" val="tx"/>
                     </a:ext>
                   </a:extLst>
                 </a:hlinkClick>
@@ -13954,7 +14064,7 @@
   <p:cSld>
     <p:spTree>
       <p:nvGrpSpPr>
-        <p:cNvPr id="1" name="Shape 470"/>
+        <p:cNvPr id="1" name="Shape 479"/>
         <p:cNvGrpSpPr/>
         <p:nvPr/>
       </p:nvGrpSpPr>
@@ -13968,12 +14078,12 @@
       </p:grpSpPr>
       <p:sp>
         <p:nvSpPr>
-          <p:cNvPr id="471" name="Google Shape;471;p28"/>
+          <p:cNvPr id="489" name="Google Shape;489;p29"/>
           <p:cNvSpPr txBox="1">
             <a:spLocks noGrp="1"/>
           </p:cNvSpPr>
           <p:nvPr>
-            <p:ph type="title"/>
+            <p:ph type="title" idx="9"/>
           </p:nvPr>
         </p:nvSpPr>
         <p:spPr>
@@ -14001,63 +14111,154 @@
               <a:buNone/>
             </a:pPr>
             <a:r>
-              <a:rPr lang="en-US" sz="2400" dirty="0" smtClean="0">
-                <a:solidFill>
-                  <a:schemeClr val="bg2">
-                    <a:lumMod val="75000"/>
-                  </a:schemeClr>
-                </a:solidFill>
-              </a:rPr>
-              <a:t>C</a:t>
-            </a:r>
-            <a:r>
-              <a:rPr lang="en" sz="2400" dirty="0" smtClean="0">
-                <a:solidFill>
-                  <a:schemeClr val="bg2">
-                    <a:lumMod val="75000"/>
-                  </a:schemeClr>
-                </a:solidFill>
-              </a:rPr>
-              <a:t>out &lt;&lt; </a:t>
-            </a:r>
-            <a:r>
-              <a:rPr lang="en" sz="2400" dirty="0" smtClean="0">
-                <a:solidFill>
-                  <a:srgbClr val="FFC000"/>
-                </a:solidFill>
-              </a:rPr>
-              <a:t>“What we want to avchieve: “</a:t>
-            </a:r>
-            <a:r>
-              <a:rPr lang="en" sz="2400" dirty="0" smtClean="0">
-                <a:solidFill>
-                  <a:schemeClr val="bg2"/>
-                </a:solidFill>
-              </a:rPr>
-              <a:t>;</a:t>
-            </a:r>
-            <a:endParaRPr sz="2400" dirty="0">
+              <a:rPr lang="en-US" dirty="0"/>
+              <a:t>c</a:t>
+            </a:r>
+            <a:r>
+              <a:rPr lang="en" dirty="0" smtClean="0"/>
+              <a:t>lass </a:t>
+            </a:r>
+            <a:r>
+              <a:rPr lang="en" dirty="0" smtClean="0">
+                <a:solidFill>
+                  <a:schemeClr val="accent2"/>
+                </a:solidFill>
+              </a:rPr>
+              <a:t>Used_apps</a:t>
+            </a:r>
+            <a:r>
+              <a:rPr lang="en" dirty="0" smtClean="0"/>
+              <a:t> </a:t>
+            </a:r>
+            <a:r>
+              <a:rPr lang="en" dirty="0" smtClean="0">
+                <a:solidFill>
+                  <a:schemeClr val="accent6"/>
+                </a:solidFill>
+              </a:rPr>
+              <a:t>{</a:t>
+            </a:r>
+            <a:endParaRPr dirty="0">
               <a:solidFill>
-                <a:schemeClr val="bg2"/>
+                <a:schemeClr val="accent6"/>
               </a:solidFill>
             </a:endParaRPr>
           </a:p>
         </p:txBody>
       </p:sp>
-      <p:sp>
-        <p:nvSpPr>
-          <p:cNvPr id="472" name="Google Shape;472;p28"/>
+      <p:grpSp>
+        <p:nvGrpSpPr>
+          <p:cNvPr id="490" name="Google Shape;490;p29"/>
+          <p:cNvGrpSpPr/>
+          <p:nvPr/>
+        </p:nvGrpSpPr>
+        <p:grpSpPr>
+          <a:xfrm>
+            <a:off x="1084825" y="1168950"/>
+            <a:ext cx="506100" cy="3401075"/>
+            <a:chOff x="1084825" y="1168950"/>
+            <a:chExt cx="506100" cy="3401075"/>
+          </a:xfrm>
+        </p:grpSpPr>
+        <p:sp>
+          <p:nvSpPr>
+            <p:cNvPr id="491" name="Google Shape;491;p29"/>
+            <p:cNvSpPr txBox="1"/>
+            <p:nvPr/>
+          </p:nvSpPr>
+          <p:spPr>
+            <a:xfrm>
+              <a:off x="1084825" y="3954425"/>
+              <a:ext cx="506100" cy="615600"/>
+            </a:xfrm>
+            <a:prstGeom prst="rect">
+              <a:avLst/>
+            </a:prstGeom>
+            <a:noFill/>
+            <a:ln>
+              <a:noFill/>
+            </a:ln>
+          </p:spPr>
+          <p:txBody>
+            <a:bodyPr spcFirstLastPara="1" wrap="square" lIns="91425" tIns="91425" rIns="91425" bIns="91425" anchor="t" anchorCtr="0">
+              <a:spAutoFit/>
+            </a:bodyPr>
+            <a:lstStyle/>
+            <a:p>
+              <a:pPr marL="0" lvl="0" indent="0" algn="ctr" rtl="0">
+                <a:spcBef>
+                  <a:spcPts val="0"/>
+                </a:spcBef>
+                <a:spcAft>
+                  <a:spcPts val="0"/>
+                </a:spcAft>
+                <a:buNone/>
+              </a:pPr>
+              <a:r>
+                <a:rPr lang="en" sz="2800">
+                  <a:solidFill>
+                    <a:schemeClr val="accent6"/>
+                  </a:solidFill>
+                  <a:latin typeface="Fira Code"/>
+                  <a:ea typeface="Fira Code"/>
+                  <a:cs typeface="Fira Code"/>
+                  <a:sym typeface="Fira Code"/>
+                </a:rPr>
+                <a:t>}</a:t>
+              </a:r>
+              <a:endParaRPr sz="2800">
+                <a:solidFill>
+                  <a:schemeClr val="accent6"/>
+                </a:solidFill>
+                <a:latin typeface="Fira Code"/>
+                <a:ea typeface="Fira Code"/>
+                <a:cs typeface="Fira Code"/>
+                <a:sym typeface="Fira Code"/>
+              </a:endParaRPr>
+            </a:p>
+          </p:txBody>
+        </p:sp>
+        <p:cxnSp>
+          <p:nvCxnSpPr>
+            <p:cNvPr id="492" name="Google Shape;492;p29"/>
+            <p:cNvCxnSpPr/>
+            <p:nvPr/>
+          </p:nvCxnSpPr>
+          <p:spPr>
+            <a:xfrm>
+              <a:off x="1337875" y="1168950"/>
+              <a:ext cx="0" cy="2764500"/>
+            </a:xfrm>
+            <a:prstGeom prst="straightConnector1">
+              <a:avLst/>
+            </a:prstGeom>
+            <a:noFill/>
+            <a:ln w="9525" cap="flat" cmpd="sng">
+              <a:solidFill>
+                <a:schemeClr val="accent4"/>
+              </a:solidFill>
+              <a:prstDash val="solid"/>
+              <a:round/>
+              <a:headEnd type="none" w="med" len="med"/>
+              <a:tailEnd type="none" w="med" len="med"/>
+            </a:ln>
+          </p:spPr>
+        </p:cxnSp>
+      </p:grpSp>
+      <p:sp>
+        <p:nvSpPr>
+          <p:cNvPr id="493" name="Google Shape;493;p29"/>
           <p:cNvSpPr txBox="1">
             <a:spLocks noGrp="1"/>
           </p:cNvSpPr>
           <p:nvPr>
-            <p:ph type="body" idx="1"/>
+            <p:ph type="subTitle" idx="1"/>
           </p:nvPr>
         </p:nvSpPr>
         <p:spPr>
           <a:xfrm>
-            <a:off x="1464250" y="1217825"/>
-            <a:ext cx="6969600" cy="2946213"/>
+            <a:off x="710125" y="4694725"/>
+            <a:ext cx="4865100" cy="357300"/>
           </a:xfrm>
           <a:prstGeom prst="rect">
             <a:avLst/>
@@ -14069,66 +14270,28 @@
           </a:bodyPr>
           <a:lstStyle/>
           <a:p>
-            <a:pPr marL="139700" indent="0">
-              <a:buNone/>
-            </a:pPr>
-            <a:r>
-              <a:rPr lang="en-US" sz="2000" dirty="0">
-                <a:solidFill>
-                  <a:schemeClr val="accent2"/>
-                </a:solidFill>
-              </a:rPr>
-              <a:t>Our application is designed to make online test about literature for 9</a:t>
-            </a:r>
-            <a:r>
-              <a:rPr lang="en-US" sz="2000" baseline="30000" dirty="0">
-                <a:solidFill>
-                  <a:schemeClr val="accent2"/>
-                </a:solidFill>
-              </a:rPr>
-              <a:t>th</a:t>
-            </a:r>
-            <a:r>
-              <a:rPr lang="en-US" sz="2000" dirty="0">
-                <a:solidFill>
-                  <a:schemeClr val="accent2"/>
-                </a:solidFill>
-              </a:rPr>
-              <a:t> and 10</a:t>
-            </a:r>
-            <a:r>
-              <a:rPr lang="en-US" sz="2000" baseline="30000" dirty="0">
-                <a:solidFill>
-                  <a:schemeClr val="accent2"/>
-                </a:solidFill>
-              </a:rPr>
-              <a:t>th </a:t>
-            </a:r>
-            <a:r>
-              <a:rPr lang="en-US" sz="2000" dirty="0">
-                <a:solidFill>
-                  <a:schemeClr val="accent2"/>
-                </a:solidFill>
-              </a:rPr>
-              <a:t>grade with accurate grade system and leaderboard to compete with others. </a:t>
-            </a:r>
-          </a:p>
-        </p:txBody>
-      </p:sp>
-      <p:sp>
-        <p:nvSpPr>
-          <p:cNvPr id="473" name="Google Shape;473;p28"/>
+            <a:pPr marL="0" lvl="0" indent="0"/>
+            <a:r>
+              <a:rPr lang="en-US" dirty="0"/>
+              <a:t>Programming Language: C++</a:t>
+            </a:r>
+          </a:p>
+        </p:txBody>
+      </p:sp>
+      <p:sp>
+        <p:nvSpPr>
+          <p:cNvPr id="494" name="Google Shape;494;p29"/>
           <p:cNvSpPr txBox="1">
             <a:spLocks noGrp="1"/>
           </p:cNvSpPr>
           <p:nvPr>
-            <p:ph type="subTitle" idx="4294967295"/>
+            <p:ph type="subTitle" idx="1"/>
           </p:nvPr>
         </p:nvSpPr>
         <p:spPr>
           <a:xfrm>
-            <a:off x="710125" y="4694725"/>
-            <a:ext cx="4865100" cy="357300"/>
+            <a:off x="-5975" y="91525"/>
+            <a:ext cx="4572000" cy="357300"/>
           </a:xfrm>
           <a:prstGeom prst="rect">
             <a:avLst/>
@@ -14140,54 +14303,9 @@
           </a:bodyPr>
           <a:lstStyle/>
           <a:p>
-            <a:pPr marL="0" lvl="0" indent="0">
-              <a:buNone/>
-            </a:pPr>
-            <a:r>
-              <a:rPr lang="en-US" dirty="0">
-                <a:solidFill>
-                  <a:schemeClr val="accent3"/>
-                </a:solidFill>
-              </a:rPr>
-              <a:t>Programming Language: C++</a:t>
-            </a:r>
-          </a:p>
-        </p:txBody>
-      </p:sp>
-      <p:sp>
-        <p:nvSpPr>
-          <p:cNvPr id="474" name="Google Shape;474;p28"/>
-          <p:cNvSpPr txBox="1">
-            <a:spLocks noGrp="1"/>
-          </p:cNvSpPr>
-          <p:nvPr>
-            <p:ph type="subTitle" idx="4294967295"/>
-          </p:nvPr>
-        </p:nvSpPr>
-        <p:spPr>
-          <a:xfrm>
-            <a:off x="-5975" y="91525"/>
-            <a:ext cx="4572000" cy="357300"/>
-          </a:xfrm>
-          <a:prstGeom prst="rect">
-            <a:avLst/>
-          </a:prstGeom>
-        </p:spPr>
-        <p:txBody>
-          <a:bodyPr spcFirstLastPara="1" wrap="square" lIns="91425" tIns="91425" rIns="91425" bIns="91425" anchor="ctr" anchorCtr="0">
-            <a:noAutofit/>
-          </a:bodyPr>
-          <a:lstStyle/>
-          <a:p>
-            <a:pPr marL="0" lvl="0" indent="0" algn="ctr">
-              <a:buNone/>
-            </a:pPr>
-            <a:r>
-              <a:rPr lang="en" dirty="0">
-                <a:solidFill>
-                  <a:schemeClr val="accent3"/>
-                </a:solidFill>
-              </a:rPr>
+            <a:pPr marL="0" lvl="0" indent="0" algn="ctr"/>
+            <a:r>
+              <a:rPr lang="en" dirty="0"/>
               <a:t>forbeginners.cpp</a:t>
             </a:r>
             <a:endParaRPr sz="1400" dirty="0">
@@ -14200,12 +14318,12 @@
       </p:sp>
       <p:sp>
         <p:nvSpPr>
-          <p:cNvPr id="475" name="Google Shape;475;p28"/>
+          <p:cNvPr id="495" name="Google Shape;495;p29"/>
           <p:cNvSpPr txBox="1">
             <a:spLocks noGrp="1"/>
           </p:cNvSpPr>
           <p:nvPr>
-            <p:ph type="subTitle" idx="4294967295"/>
+            <p:ph type="subTitle" idx="1"/>
           </p:nvPr>
         </p:nvSpPr>
         <p:spPr>
@@ -14223,21 +14341,671 @@
           </a:bodyPr>
           <a:lstStyle/>
           <a:p>
-            <a:pPr marL="0" lvl="0" indent="0" algn="ctr">
+            <a:pPr marL="0" lvl="0" indent="0" algn="ctr"/>
+            <a:r>
+              <a:rPr lang="en-US" dirty="0"/>
+              <a:t>workshop.cpp</a:t>
+            </a:r>
+          </a:p>
+        </p:txBody>
+      </p:sp>
+      <p:sp>
+        <p:nvSpPr>
+          <p:cNvPr id="11" name="Google Shape;488;p29"/>
+          <p:cNvSpPr txBox="1">
+            <a:spLocks noGrp="1"/>
+          </p:cNvSpPr>
+          <p:nvPr>
+            <p:ph type="subTitle" idx="8"/>
+          </p:nvPr>
+        </p:nvSpPr>
+        <p:spPr>
+          <a:xfrm>
+            <a:off x="2783909" y="1510099"/>
+            <a:ext cx="2163230" cy="872029"/>
+          </a:xfrm>
+          <a:prstGeom prst="rect">
+            <a:avLst/>
+          </a:prstGeom>
+        </p:spPr>
+        <p:txBody>
+          <a:bodyPr spcFirstLastPara="1" wrap="square" lIns="91425" tIns="91425" rIns="91425" bIns="91425" anchor="ctr" anchorCtr="0">
+            <a:noAutofit/>
+          </a:bodyPr>
+          <a:lstStyle/>
+          <a:p>
+            <a:pPr marL="0" lvl="0" indent="0" algn="l" rtl="0">
+              <a:spcBef>
+                <a:spcPts val="0"/>
+              </a:spcBef>
+              <a:spcAft>
+                <a:spcPts val="0"/>
+              </a:spcAft>
               <a:buNone/>
             </a:pPr>
             <a:r>
-              <a:rPr lang="en-US" dirty="0">
-                <a:solidFill>
-                  <a:schemeClr val="accent3"/>
-                </a:solidFill>
-              </a:rPr>
-              <a:t>workshop.cpp</a:t>
-            </a:r>
-          </a:p>
-        </p:txBody>
-      </p:sp>
+              <a:rPr lang="en" sz="1400" b="1" dirty="0" smtClean="0">
+                <a:solidFill>
+                  <a:srgbClr val="0070C0"/>
+                </a:solidFill>
+              </a:rPr>
+              <a:t>Discord </a:t>
+            </a:r>
+            <a:r>
+              <a:rPr lang="en" sz="1400" b="1" dirty="0" smtClean="0">
+                <a:solidFill>
+                  <a:schemeClr val="tx2">
+                    <a:lumMod val="50000"/>
+                  </a:schemeClr>
+                </a:solidFill>
+              </a:rPr>
+              <a:t>/</a:t>
+            </a:r>
+            <a:r>
+              <a:rPr lang="en" sz="1400" b="1" dirty="0" smtClean="0">
+                <a:solidFill>
+                  <a:srgbClr val="0070C0"/>
+                </a:solidFill>
+              </a:rPr>
+              <a:t> </a:t>
+            </a:r>
+            <a:r>
+              <a:rPr lang="en" sz="1400" b="1" dirty="0" smtClean="0">
+                <a:solidFill>
+                  <a:schemeClr val="accent1">
+                    <a:lumMod val="75000"/>
+                  </a:schemeClr>
+                </a:solidFill>
+              </a:rPr>
+              <a:t>Teams</a:t>
+            </a:r>
+            <a:r>
+              <a:rPr lang="en" sz="1400" b="1" dirty="0" smtClean="0">
+                <a:solidFill>
+                  <a:srgbClr val="0070C0"/>
+                </a:solidFill>
+              </a:rPr>
+              <a:t>:</a:t>
+            </a:r>
+            <a:r>
+              <a:rPr lang="en" sz="1400" b="1" dirty="0" smtClean="0"/>
+              <a:t> </a:t>
+            </a:r>
+            <a:r>
+              <a:rPr lang="en" sz="1400" dirty="0" smtClean="0">
+                <a:solidFill>
+                  <a:srgbClr val="0088EE"/>
+                </a:solidFill>
+              </a:rPr>
+              <a:t>for communication </a:t>
+            </a:r>
+            <a:endParaRPr sz="1400" dirty="0">
+              <a:solidFill>
+                <a:srgbClr val="0088EE"/>
+              </a:solidFill>
+            </a:endParaRPr>
+          </a:p>
+        </p:txBody>
+      </p:sp>
+      <p:sp>
+        <p:nvSpPr>
+          <p:cNvPr id="13" name="Google Shape;482;p29"/>
+          <p:cNvSpPr txBox="1">
+            <a:spLocks noGrp="1"/>
+          </p:cNvSpPr>
+          <p:nvPr>
+            <p:ph type="subTitle" idx="2"/>
+          </p:nvPr>
+        </p:nvSpPr>
+        <p:spPr>
+          <a:xfrm>
+            <a:off x="5972678" y="1672243"/>
+            <a:ext cx="2874499" cy="547740"/>
+          </a:xfrm>
+          <a:prstGeom prst="rect">
+            <a:avLst/>
+          </a:prstGeom>
+        </p:spPr>
+        <p:txBody>
+          <a:bodyPr spcFirstLastPara="1" wrap="square" lIns="91425" tIns="91425" rIns="91425" bIns="91425" anchor="ctr" anchorCtr="0">
+            <a:noAutofit/>
+          </a:bodyPr>
+          <a:lstStyle/>
+          <a:p>
+            <a:pPr marL="0" lvl="0" indent="0" algn="l" rtl="0">
+              <a:spcBef>
+                <a:spcPts val="0"/>
+              </a:spcBef>
+              <a:spcAft>
+                <a:spcPts val="0"/>
+              </a:spcAft>
+              <a:buNone/>
+            </a:pPr>
+            <a:r>
+              <a:rPr lang="en" sz="1400" b="1" dirty="0" smtClean="0">
+                <a:solidFill>
+                  <a:schemeClr val="accent1">
+                    <a:lumMod val="50000"/>
+                  </a:schemeClr>
+                </a:solidFill>
+              </a:rPr>
+              <a:t>Visual Studio 2022:</a:t>
+            </a:r>
+            <a:br>
+              <a:rPr lang="en" sz="1400" b="1" dirty="0" smtClean="0">
+                <a:solidFill>
+                  <a:schemeClr val="accent1">
+                    <a:lumMod val="50000"/>
+                  </a:schemeClr>
+                </a:solidFill>
+              </a:rPr>
+            </a:br>
+            <a:r>
+              <a:rPr lang="en" sz="1400" dirty="0" smtClean="0">
+                <a:solidFill>
+                  <a:schemeClr val="accent1">
+                    <a:lumMod val="75000"/>
+                  </a:schemeClr>
+                </a:solidFill>
+              </a:rPr>
+              <a:t>for writing code</a:t>
+            </a:r>
+            <a:endParaRPr sz="1400" dirty="0">
+              <a:solidFill>
+                <a:schemeClr val="accent1">
+                  <a:lumMod val="75000"/>
+                </a:schemeClr>
+              </a:solidFill>
+            </a:endParaRPr>
+          </a:p>
+        </p:txBody>
+      </p:sp>
+      <p:sp>
+        <p:nvSpPr>
+          <p:cNvPr id="15" name="Правоъгълник 14"/>
+          <p:cNvSpPr/>
+          <p:nvPr/>
+        </p:nvSpPr>
+        <p:spPr>
+          <a:xfrm>
+            <a:off x="2724331" y="3237696"/>
+            <a:ext cx="2171553" cy="738664"/>
+          </a:xfrm>
+          <a:prstGeom prst="rect">
+            <a:avLst/>
+          </a:prstGeom>
+        </p:spPr>
+        <p:txBody>
+          <a:bodyPr wrap="square">
+            <a:spAutoFit/>
+          </a:bodyPr>
+          <a:lstStyle/>
+          <a:p>
+            <a:pPr lvl="0"/>
+            <a:r>
+              <a:rPr lang="en-US" b="1" dirty="0" smtClean="0">
+                <a:solidFill>
+                  <a:schemeClr val="accent6">
+                    <a:lumMod val="75000"/>
+                  </a:schemeClr>
+                </a:solidFill>
+                <a:latin typeface="Fira Code" panose="020B0604020202020204" charset="0"/>
+                <a:ea typeface="Fira Code" panose="020B0604020202020204" charset="0"/>
+                <a:cs typeface="Fira Code" panose="020B0604020202020204" charset="0"/>
+              </a:rPr>
+              <a:t>GitHub: </a:t>
+            </a:r>
+            <a:r>
+              <a:rPr lang="en-US" b="1" dirty="0" smtClean="0">
+                <a:solidFill>
+                  <a:schemeClr val="accent6">
+                    <a:lumMod val="95000"/>
+                  </a:schemeClr>
+                </a:solidFill>
+                <a:latin typeface="Fira Code" panose="020B0604020202020204" charset="0"/>
+                <a:ea typeface="Fira Code" panose="020B0604020202020204" charset="0"/>
+                <a:cs typeface="Fira Code" panose="020B0604020202020204" charset="0"/>
+              </a:rPr>
+              <a:t>for submitting out work</a:t>
+            </a:r>
+            <a:endParaRPr lang="en-US" dirty="0">
+              <a:solidFill>
+                <a:schemeClr val="accent6">
+                  <a:lumMod val="95000"/>
+                </a:schemeClr>
+              </a:solidFill>
+              <a:latin typeface="Fira Code" panose="020B0604020202020204" charset="0"/>
+              <a:ea typeface="Fira Code" panose="020B0604020202020204" charset="0"/>
+              <a:cs typeface="Fira Code" panose="020B0604020202020204" charset="0"/>
+            </a:endParaRPr>
+          </a:p>
+        </p:txBody>
+      </p:sp>
+      <p:pic>
+        <p:nvPicPr>
+          <p:cNvPr id="1028" name="Picture 4" descr="discord logo png, discord icon transparent png 18930604 PNG"/>
+          <p:cNvPicPr>
+            <a:picLocks noChangeAspect="1" noChangeArrowheads="1"/>
+          </p:cNvPicPr>
+          <p:nvPr/>
+        </p:nvPicPr>
+        <p:blipFill>
+          <a:blip r:embed="rId3">
+            <a:extLst>
+              <a:ext uri="{28A0092B-C50C-407E-A947-70E740481C1C}">
+                <a14:useLocalDpi xmlns:a14="http://schemas.microsoft.com/office/drawing/2010/main" val="0"/>
+              </a:ext>
+            </a:extLst>
+          </a:blip>
+          <a:srcRect/>
+          <a:stretch>
+            <a:fillRect/>
+          </a:stretch>
+        </p:blipFill>
+        <p:spPr bwMode="auto">
+          <a:xfrm>
+            <a:off x="1269322" y="1467071"/>
+            <a:ext cx="1217694" cy="1217694"/>
+          </a:xfrm>
+          <a:prstGeom prst="rect">
+            <a:avLst/>
+          </a:prstGeom>
+          <a:noFill/>
+          <a:extLst>
+            <a:ext uri="{909E8E84-426E-40DD-AFC4-6F175D3DCCD1}">
+              <a14:hiddenFill xmlns:a14="http://schemas.microsoft.com/office/drawing/2010/main">
+                <a:solidFill>
+                  <a:srgbClr val="FFFFFF"/>
+                </a:solidFill>
+              </a14:hiddenFill>
+            </a:ext>
+          </a:extLst>
+        </p:spPr>
+      </p:pic>
+      <p:pic>
+        <p:nvPicPr>
+          <p:cNvPr id="1030" name="Picture 6" descr="Microsoft Teams icon transparent background 49116741 PNG"/>
+          <p:cNvPicPr>
+            <a:picLocks noChangeAspect="1" noChangeArrowheads="1"/>
+          </p:cNvPicPr>
+          <p:nvPr/>
+        </p:nvPicPr>
+        <p:blipFill>
+          <a:blip r:embed="rId4">
+            <a:extLst>
+              <a:ext uri="{28A0092B-C50C-407E-A947-70E740481C1C}">
+                <a14:useLocalDpi xmlns:a14="http://schemas.microsoft.com/office/drawing/2010/main" val="0"/>
+              </a:ext>
+            </a:extLst>
+          </a:blip>
+          <a:srcRect/>
+          <a:stretch>
+            <a:fillRect/>
+          </a:stretch>
+        </p:blipFill>
+        <p:spPr bwMode="auto">
+          <a:xfrm>
+            <a:off x="1780192" y="960102"/>
+            <a:ext cx="1265931" cy="1265931"/>
+          </a:xfrm>
+          <a:prstGeom prst="rect">
+            <a:avLst/>
+          </a:prstGeom>
+          <a:noFill/>
+          <a:extLst>
+            <a:ext uri="{909E8E84-426E-40DD-AFC4-6F175D3DCCD1}">
+              <a14:hiddenFill xmlns:a14="http://schemas.microsoft.com/office/drawing/2010/main">
+                <a:solidFill>
+                  <a:srgbClr val="FFFFFF"/>
+                </a:solidFill>
+              </a14:hiddenFill>
+            </a:ext>
+          </a:extLst>
+        </p:spPr>
+      </p:pic>
+      <p:pic>
+        <p:nvPicPr>
+          <p:cNvPr id="1038" name="Picture 14" descr="Microsoft Visual Studio macOS - Icônes Médias sociaux et logos"/>
+          <p:cNvPicPr>
+            <a:picLocks noChangeAspect="1" noChangeArrowheads="1"/>
+          </p:cNvPicPr>
+          <p:nvPr/>
+        </p:nvPicPr>
+        <p:blipFill>
+          <a:blip r:embed="rId5">
+            <a:extLst>
+              <a:ext uri="{28A0092B-C50C-407E-A947-70E740481C1C}">
+                <a14:useLocalDpi xmlns:a14="http://schemas.microsoft.com/office/drawing/2010/main" val="0"/>
+              </a:ext>
+            </a:extLst>
+          </a:blip>
+          <a:srcRect/>
+          <a:stretch>
+            <a:fillRect/>
+          </a:stretch>
+        </p:blipFill>
+        <p:spPr bwMode="auto">
+          <a:xfrm>
+            <a:off x="5177772" y="1542306"/>
+            <a:ext cx="794906" cy="794906"/>
+          </a:xfrm>
+          <a:prstGeom prst="rect">
+            <a:avLst/>
+          </a:prstGeom>
+          <a:noFill/>
+          <a:extLst>
+            <a:ext uri="{909E8E84-426E-40DD-AFC4-6F175D3DCCD1}">
+              <a14:hiddenFill xmlns:a14="http://schemas.microsoft.com/office/drawing/2010/main">
+                <a:solidFill>
+                  <a:srgbClr val="FFFFFF"/>
+                </a:solidFill>
+              </a14:hiddenFill>
+            </a:ext>
+          </a:extLst>
+        </p:spPr>
+      </p:pic>
+      <p:grpSp>
+        <p:nvGrpSpPr>
+          <p:cNvPr id="3" name="Групиране 2"/>
+          <p:cNvGrpSpPr/>
+          <p:nvPr/>
+        </p:nvGrpSpPr>
+        <p:grpSpPr>
+          <a:xfrm>
+            <a:off x="1848744" y="3237696"/>
+            <a:ext cx="755042" cy="758974"/>
+            <a:chOff x="2424167" y="2399423"/>
+            <a:chExt cx="755042" cy="758974"/>
+          </a:xfrm>
+        </p:grpSpPr>
+        <p:sp>
+          <p:nvSpPr>
+            <p:cNvPr id="2" name="Закръглен правоъгълник 1"/>
+            <p:cNvSpPr/>
+            <p:nvPr/>
+          </p:nvSpPr>
+          <p:spPr>
+            <a:xfrm>
+              <a:off x="2424167" y="2399423"/>
+              <a:ext cx="717505" cy="719995"/>
+            </a:xfrm>
+            <a:prstGeom prst="roundRect">
+              <a:avLst>
+                <a:gd name="adj" fmla="val 22549"/>
+              </a:avLst>
+            </a:prstGeom>
+            <a:solidFill>
+              <a:schemeClr val="accent6">
+                <a:lumMod val="95000"/>
+              </a:schemeClr>
+            </a:solidFill>
+            <a:ln>
+              <a:noFill/>
+            </a:ln>
+          </p:spPr>
+          <p:style>
+            <a:lnRef idx="2">
+              <a:schemeClr val="accent1">
+                <a:shade val="50000"/>
+              </a:schemeClr>
+            </a:lnRef>
+            <a:fillRef idx="1">
+              <a:schemeClr val="accent1"/>
+            </a:fillRef>
+            <a:effectRef idx="0">
+              <a:schemeClr val="accent1"/>
+            </a:effectRef>
+            <a:fontRef idx="minor">
+              <a:schemeClr val="lt1"/>
+            </a:fontRef>
+          </p:style>
+          <p:txBody>
+            <a:bodyPr rtlCol="0" anchor="ctr"/>
+            <a:lstStyle/>
+            <a:p>
+              <a:pPr algn="ctr"/>
+              <a:endParaRPr lang="en-US"/>
+            </a:p>
+          </p:txBody>
+        </p:sp>
+        <p:pic>
+          <p:nvPicPr>
+            <p:cNvPr id="1042" name="Picture 18" descr="GitHub logo PNG transparent image download, size: 512x512px"/>
+            <p:cNvPicPr>
+              <a:picLocks noChangeAspect="1" noChangeArrowheads="1"/>
+            </p:cNvPicPr>
+            <p:nvPr/>
+          </p:nvPicPr>
+          <p:blipFill>
+            <a:blip r:embed="rId6">
+              <a:extLst>
+                <a:ext uri="{28A0092B-C50C-407E-A947-70E740481C1C}">
+                  <a14:useLocalDpi xmlns:a14="http://schemas.microsoft.com/office/drawing/2010/main" val="0"/>
+                </a:ext>
+              </a:extLst>
+            </a:blip>
+            <a:srcRect/>
+            <a:stretch>
+              <a:fillRect/>
+            </a:stretch>
+          </p:blipFill>
+          <p:spPr bwMode="auto">
+            <a:xfrm>
+              <a:off x="2434845" y="2414033"/>
+              <a:ext cx="744364" cy="744364"/>
+            </a:xfrm>
+            <a:prstGeom prst="rect">
+              <a:avLst/>
+            </a:prstGeom>
+            <a:noFill/>
+            <a:extLst>
+              <a:ext uri="{909E8E84-426E-40DD-AFC4-6F175D3DCCD1}">
+                <a14:hiddenFill xmlns:a14="http://schemas.microsoft.com/office/drawing/2010/main">
+                  <a:solidFill>
+                    <a:srgbClr val="FFFFFF"/>
+                  </a:solidFill>
+                </a14:hiddenFill>
+              </a:ext>
+            </a:extLst>
+          </p:spPr>
+        </p:pic>
+      </p:grpSp>
+      <p:sp>
+        <p:nvSpPr>
+          <p:cNvPr id="4" name="Подзаглавие 3"/>
+          <p:cNvSpPr>
+            <a:spLocks noGrp="1"/>
+          </p:cNvSpPr>
+          <p:nvPr>
+            <p:ph type="subTitle" idx="5"/>
+          </p:nvPr>
+        </p:nvSpPr>
+        <p:spPr>
+          <a:xfrm>
+            <a:off x="5742226" y="2950251"/>
+            <a:ext cx="3104951" cy="1131434"/>
+          </a:xfrm>
+        </p:spPr>
+        <p:txBody>
+          <a:bodyPr/>
+          <a:lstStyle/>
+          <a:p>
+            <a:r>
+              <a:rPr lang="en-US" b="1" dirty="0" smtClean="0">
+                <a:solidFill>
+                  <a:srgbClr val="F06D00"/>
+                </a:solidFill>
+              </a:rPr>
+              <a:t>PowerPoint</a:t>
+            </a:r>
+            <a:r>
+              <a:rPr lang="en-US" b="1" dirty="0" smtClean="0">
+                <a:solidFill>
+                  <a:srgbClr val="00B0F0"/>
+                </a:solidFill>
+              </a:rPr>
+              <a:t> / Word:</a:t>
+            </a:r>
+          </a:p>
+          <a:p>
+            <a:r>
+              <a:rPr lang="en-US" dirty="0" smtClean="0">
+                <a:solidFill>
+                  <a:schemeClr val="bg2">
+                    <a:lumMod val="40000"/>
+                    <a:lumOff val="60000"/>
+                  </a:schemeClr>
+                </a:solidFill>
+              </a:rPr>
+              <a:t>for presentation and documentation</a:t>
+            </a:r>
+            <a:endParaRPr lang="en-US" dirty="0">
+              <a:solidFill>
+                <a:schemeClr val="bg2">
+                  <a:lumMod val="40000"/>
+                  <a:lumOff val="60000"/>
+                </a:schemeClr>
+              </a:solidFill>
+            </a:endParaRPr>
+          </a:p>
+        </p:txBody>
+      </p:sp>
+      <p:pic>
+        <p:nvPicPr>
+          <p:cNvPr id="1052" name="Picture 28" descr="Microsoft Word PNGs for Free Download"/>
+          <p:cNvPicPr>
+            <a:picLocks noChangeAspect="1" noChangeArrowheads="1"/>
+          </p:cNvPicPr>
+          <p:nvPr/>
+        </p:nvPicPr>
+        <p:blipFill>
+          <a:blip r:embed="rId7">
+            <a:extLst>
+              <a:ext uri="{28A0092B-C50C-407E-A947-70E740481C1C}">
+                <a14:useLocalDpi xmlns:a14="http://schemas.microsoft.com/office/drawing/2010/main" val="0"/>
+              </a:ext>
+            </a:extLst>
+          </a:blip>
+          <a:srcRect/>
+          <a:stretch>
+            <a:fillRect/>
+          </a:stretch>
+        </p:blipFill>
+        <p:spPr bwMode="auto">
+          <a:xfrm>
+            <a:off x="5094692" y="2731254"/>
+            <a:ext cx="784714" cy="784714"/>
+          </a:xfrm>
+          <a:prstGeom prst="rect">
+            <a:avLst/>
+          </a:prstGeom>
+          <a:noFill/>
+          <a:extLst>
+            <a:ext uri="{909E8E84-426E-40DD-AFC4-6F175D3DCCD1}">
+              <a14:hiddenFill xmlns:a14="http://schemas.microsoft.com/office/drawing/2010/main">
+                <a:solidFill>
+                  <a:srgbClr val="FFFFFF"/>
+                </a:solidFill>
+              </a14:hiddenFill>
+            </a:ext>
+          </a:extLst>
+        </p:spPr>
+      </p:pic>
+      <p:sp>
+        <p:nvSpPr>
+          <p:cNvPr id="5" name="Закръглен правоъгълник 4"/>
+          <p:cNvSpPr/>
+          <p:nvPr/>
+        </p:nvSpPr>
+        <p:spPr>
+          <a:xfrm>
+            <a:off x="4721954" y="3406179"/>
+            <a:ext cx="699634" cy="720788"/>
+          </a:xfrm>
+          <a:prstGeom prst="roundRect">
+            <a:avLst/>
+          </a:prstGeom>
+          <a:solidFill>
+            <a:schemeClr val="accent6">
+              <a:lumMod val="95000"/>
+            </a:schemeClr>
+          </a:solidFill>
+          <a:ln>
+            <a:noFill/>
+          </a:ln>
+        </p:spPr>
+        <p:style>
+          <a:lnRef idx="2">
+            <a:schemeClr val="accent1">
+              <a:shade val="50000"/>
+            </a:schemeClr>
+          </a:lnRef>
+          <a:fillRef idx="1">
+            <a:schemeClr val="accent1"/>
+          </a:fillRef>
+          <a:effectRef idx="0">
+            <a:schemeClr val="accent1"/>
+          </a:effectRef>
+          <a:fontRef idx="minor">
+            <a:schemeClr val="lt1"/>
+          </a:fontRef>
+        </p:style>
+        <p:txBody>
+          <a:bodyPr rtlCol="0" anchor="ctr"/>
+          <a:lstStyle/>
+          <a:p>
+            <a:pPr algn="ctr"/>
+            <a:endParaRPr lang="en-US"/>
+          </a:p>
+        </p:txBody>
+      </p:sp>
+      <p:pic>
+        <p:nvPicPr>
+          <p:cNvPr id="1046" name="Picture 22" descr="Microsoft Powerpoint Logo Transparent - Corona Todays"/>
+          <p:cNvPicPr>
+            <a:picLocks noChangeAspect="1" noChangeArrowheads="1"/>
+          </p:cNvPicPr>
+          <p:nvPr/>
+        </p:nvPicPr>
+        <p:blipFill>
+          <a:blip r:embed="rId8">
+            <a:extLst>
+              <a:ext uri="{28A0092B-C50C-407E-A947-70E740481C1C}">
+                <a14:useLocalDpi xmlns:a14="http://schemas.microsoft.com/office/drawing/2010/main" val="0"/>
+              </a:ext>
+            </a:extLst>
+          </a:blip>
+          <a:srcRect/>
+          <a:stretch>
+            <a:fillRect/>
+          </a:stretch>
+        </p:blipFill>
+        <p:spPr bwMode="auto">
+          <a:xfrm>
+            <a:off x="4658587" y="3371194"/>
+            <a:ext cx="790757" cy="790757"/>
+          </a:xfrm>
+          <a:prstGeom prst="rect">
+            <a:avLst/>
+          </a:prstGeom>
+          <a:noFill/>
+          <a:extLst>
+            <a:ext uri="{909E8E84-426E-40DD-AFC4-6F175D3DCCD1}">
+              <a14:hiddenFill xmlns:a14="http://schemas.microsoft.com/office/drawing/2010/main">
+                <a:solidFill>
+                  <a:srgbClr val="FFFFFF"/>
+                </a:solidFill>
+              </a14:hiddenFill>
+            </a:ext>
+          </a:extLst>
+        </p:spPr>
+      </p:pic>
     </p:spTree>
+    <p:extLst>
+      <p:ext uri="{BB962C8B-B14F-4D97-AF65-F5344CB8AC3E}">
+        <p14:creationId xmlns:p14="http://schemas.microsoft.com/office/powerpoint/2010/main" val="3524473867"/>
+      </p:ext>
+    </p:extLst>
   </p:cSld>
   <p:clrMapOvr>
     <a:masterClrMapping/>
@@ -14257,6 +15025,309 @@
   <p:cSld>
     <p:spTree>
       <p:nvGrpSpPr>
+        <p:cNvPr id="1" name="Shape 470"/>
+        <p:cNvGrpSpPr/>
+        <p:nvPr/>
+      </p:nvGrpSpPr>
+      <p:grpSpPr>
+        <a:xfrm>
+          <a:off x="0" y="0"/>
+          <a:ext cx="0" cy="0"/>
+          <a:chOff x="0" y="0"/>
+          <a:chExt cx="0" cy="0"/>
+        </a:xfrm>
+      </p:grpSpPr>
+      <p:sp>
+        <p:nvSpPr>
+          <p:cNvPr id="471" name="Google Shape;471;p28"/>
+          <p:cNvSpPr txBox="1">
+            <a:spLocks noGrp="1"/>
+          </p:cNvSpPr>
+          <p:nvPr>
+            <p:ph type="title"/>
+          </p:nvPr>
+        </p:nvSpPr>
+        <p:spPr>
+          <a:xfrm>
+            <a:off x="1143250" y="582700"/>
+            <a:ext cx="7290600" cy="541200"/>
+          </a:xfrm>
+          <a:prstGeom prst="rect">
+            <a:avLst/>
+          </a:prstGeom>
+        </p:spPr>
+        <p:txBody>
+          <a:bodyPr spcFirstLastPara="1" wrap="square" lIns="91425" tIns="91425" rIns="91425" bIns="91425" anchor="t" anchorCtr="0">
+            <a:noAutofit/>
+          </a:bodyPr>
+          <a:lstStyle/>
+          <a:p>
+            <a:pPr marL="0" lvl="0" indent="0" algn="l" rtl="0">
+              <a:spcBef>
+                <a:spcPts val="0"/>
+              </a:spcBef>
+              <a:spcAft>
+                <a:spcPts val="0"/>
+              </a:spcAft>
+              <a:buNone/>
+            </a:pPr>
+            <a:r>
+              <a:rPr lang="en-US" sz="2400" dirty="0" smtClean="0">
+                <a:solidFill>
+                  <a:schemeClr val="bg2">
+                    <a:lumMod val="75000"/>
+                  </a:schemeClr>
+                </a:solidFill>
+              </a:rPr>
+              <a:t>C</a:t>
+            </a:r>
+            <a:r>
+              <a:rPr lang="en" sz="2400" dirty="0" smtClean="0">
+                <a:solidFill>
+                  <a:schemeClr val="bg2">
+                    <a:lumMod val="75000"/>
+                  </a:schemeClr>
+                </a:solidFill>
+              </a:rPr>
+              <a:t>out &lt;&lt; </a:t>
+            </a:r>
+            <a:r>
+              <a:rPr lang="en" sz="2400" dirty="0" smtClean="0">
+                <a:solidFill>
+                  <a:srgbClr val="FFC000"/>
+                </a:solidFill>
+              </a:rPr>
+              <a:t>“What we want to avchieve: “</a:t>
+            </a:r>
+            <a:r>
+              <a:rPr lang="en" sz="2400" dirty="0" smtClean="0">
+                <a:solidFill>
+                  <a:schemeClr val="bg2"/>
+                </a:solidFill>
+              </a:rPr>
+              <a:t>;</a:t>
+            </a:r>
+            <a:endParaRPr sz="2400" dirty="0">
+              <a:solidFill>
+                <a:schemeClr val="bg2"/>
+              </a:solidFill>
+            </a:endParaRPr>
+          </a:p>
+        </p:txBody>
+      </p:sp>
+      <p:sp>
+        <p:nvSpPr>
+          <p:cNvPr id="472" name="Google Shape;472;p28"/>
+          <p:cNvSpPr txBox="1">
+            <a:spLocks noGrp="1"/>
+          </p:cNvSpPr>
+          <p:nvPr>
+            <p:ph type="body" idx="1"/>
+          </p:nvPr>
+        </p:nvSpPr>
+        <p:spPr>
+          <a:xfrm>
+            <a:off x="1464250" y="1217825"/>
+            <a:ext cx="6969600" cy="2946213"/>
+          </a:xfrm>
+          <a:prstGeom prst="rect">
+            <a:avLst/>
+          </a:prstGeom>
+        </p:spPr>
+        <p:txBody>
+          <a:bodyPr spcFirstLastPara="1" wrap="square" lIns="91425" tIns="91425" rIns="91425" bIns="91425" anchor="ctr" anchorCtr="0">
+            <a:noAutofit/>
+          </a:bodyPr>
+          <a:lstStyle/>
+          <a:p>
+            <a:pPr marL="139700" indent="0">
+              <a:buNone/>
+            </a:pPr>
+            <a:r>
+              <a:rPr lang="en-US" sz="2000" dirty="0">
+                <a:solidFill>
+                  <a:schemeClr val="accent2"/>
+                </a:solidFill>
+              </a:rPr>
+              <a:t>Our application is designed to make online test about literature for 9</a:t>
+            </a:r>
+            <a:r>
+              <a:rPr lang="en-US" sz="2000" baseline="30000" dirty="0">
+                <a:solidFill>
+                  <a:schemeClr val="accent2"/>
+                </a:solidFill>
+              </a:rPr>
+              <a:t>th</a:t>
+            </a:r>
+            <a:r>
+              <a:rPr lang="en-US" sz="2000" dirty="0">
+                <a:solidFill>
+                  <a:schemeClr val="accent2"/>
+                </a:solidFill>
+              </a:rPr>
+              <a:t> and 10</a:t>
+            </a:r>
+            <a:r>
+              <a:rPr lang="en-US" sz="2000" baseline="30000" dirty="0">
+                <a:solidFill>
+                  <a:schemeClr val="accent2"/>
+                </a:solidFill>
+              </a:rPr>
+              <a:t>th </a:t>
+            </a:r>
+            <a:r>
+              <a:rPr lang="en-US" sz="2000" dirty="0">
+                <a:solidFill>
+                  <a:schemeClr val="accent2"/>
+                </a:solidFill>
+              </a:rPr>
+              <a:t>grade with accurate grade system and leaderboard to compete with others. </a:t>
+            </a:r>
+          </a:p>
+        </p:txBody>
+      </p:sp>
+      <p:sp>
+        <p:nvSpPr>
+          <p:cNvPr id="473" name="Google Shape;473;p28"/>
+          <p:cNvSpPr txBox="1">
+            <a:spLocks noGrp="1"/>
+          </p:cNvSpPr>
+          <p:nvPr>
+            <p:ph type="subTitle" idx="4294967295"/>
+          </p:nvPr>
+        </p:nvSpPr>
+        <p:spPr>
+          <a:xfrm>
+            <a:off x="710125" y="4694725"/>
+            <a:ext cx="4865100" cy="357300"/>
+          </a:xfrm>
+          <a:prstGeom prst="rect">
+            <a:avLst/>
+          </a:prstGeom>
+        </p:spPr>
+        <p:txBody>
+          <a:bodyPr spcFirstLastPara="1" wrap="square" lIns="91425" tIns="91425" rIns="91425" bIns="91425" anchor="ctr" anchorCtr="0">
+            <a:noAutofit/>
+          </a:bodyPr>
+          <a:lstStyle/>
+          <a:p>
+            <a:pPr marL="0" lvl="0" indent="0">
+              <a:buNone/>
+            </a:pPr>
+            <a:r>
+              <a:rPr lang="en-US" dirty="0">
+                <a:solidFill>
+                  <a:schemeClr val="accent3"/>
+                </a:solidFill>
+              </a:rPr>
+              <a:t>Programming Language: C++</a:t>
+            </a:r>
+          </a:p>
+        </p:txBody>
+      </p:sp>
+      <p:sp>
+        <p:nvSpPr>
+          <p:cNvPr id="474" name="Google Shape;474;p28"/>
+          <p:cNvSpPr txBox="1">
+            <a:spLocks noGrp="1"/>
+          </p:cNvSpPr>
+          <p:nvPr>
+            <p:ph type="subTitle" idx="4294967295"/>
+          </p:nvPr>
+        </p:nvSpPr>
+        <p:spPr>
+          <a:xfrm>
+            <a:off x="-5975" y="91525"/>
+            <a:ext cx="4572000" cy="357300"/>
+          </a:xfrm>
+          <a:prstGeom prst="rect">
+            <a:avLst/>
+          </a:prstGeom>
+        </p:spPr>
+        <p:txBody>
+          <a:bodyPr spcFirstLastPara="1" wrap="square" lIns="91425" tIns="91425" rIns="91425" bIns="91425" anchor="ctr" anchorCtr="0">
+            <a:noAutofit/>
+          </a:bodyPr>
+          <a:lstStyle/>
+          <a:p>
+            <a:pPr marL="0" lvl="0" indent="0" algn="ctr">
+              <a:buNone/>
+            </a:pPr>
+            <a:r>
+              <a:rPr lang="en" dirty="0">
+                <a:solidFill>
+                  <a:schemeClr val="accent3"/>
+                </a:solidFill>
+              </a:rPr>
+              <a:t>forbeginners.cpp</a:t>
+            </a:r>
+            <a:endParaRPr sz="1400" dirty="0">
+              <a:solidFill>
+                <a:schemeClr val="accent3"/>
+              </a:solidFill>
+            </a:endParaRPr>
+          </a:p>
+        </p:txBody>
+      </p:sp>
+      <p:sp>
+        <p:nvSpPr>
+          <p:cNvPr id="475" name="Google Shape;475;p28"/>
+          <p:cNvSpPr txBox="1">
+            <a:spLocks noGrp="1"/>
+          </p:cNvSpPr>
+          <p:nvPr>
+            <p:ph type="subTitle" idx="4294967295"/>
+          </p:nvPr>
+        </p:nvSpPr>
+        <p:spPr>
+          <a:xfrm>
+            <a:off x="4572000" y="91525"/>
+            <a:ext cx="4572000" cy="357300"/>
+          </a:xfrm>
+          <a:prstGeom prst="rect">
+            <a:avLst/>
+          </a:prstGeom>
+        </p:spPr>
+        <p:txBody>
+          <a:bodyPr spcFirstLastPara="1" wrap="square" lIns="91425" tIns="91425" rIns="91425" bIns="91425" anchor="ctr" anchorCtr="0">
+            <a:noAutofit/>
+          </a:bodyPr>
+          <a:lstStyle/>
+          <a:p>
+            <a:pPr marL="0" lvl="0" indent="0" algn="ctr">
+              <a:buNone/>
+            </a:pPr>
+            <a:r>
+              <a:rPr lang="en-US" dirty="0">
+                <a:solidFill>
+                  <a:schemeClr val="accent3"/>
+                </a:solidFill>
+              </a:rPr>
+              <a:t>workshop.cpp</a:t>
+            </a:r>
+          </a:p>
+        </p:txBody>
+      </p:sp>
+    </p:spTree>
+  </p:cSld>
+  <p:clrMapOvr>
+    <a:masterClrMapping/>
+  </p:clrMapOvr>
+  <p:timing>
+    <p:tnLst>
+      <p:par>
+        <p:cTn id="1" dur="indefinite" restart="never" nodeType="tmRoot"/>
+      </p:par>
+    </p:tnLst>
+  </p:timing>
+</p:sld>
+</file>
+
+<file path=ppt/slides/slide5.xml><?xml version="1.0" encoding="utf-8"?>
+<p:sld xmlns:a="http://schemas.openxmlformats.org/drawingml/2006/main" xmlns:r="http://schemas.openxmlformats.org/officeDocument/2006/relationships" xmlns:p="http://schemas.openxmlformats.org/presentationml/2006/main">
+  <p:cSld>
+    <p:spTree>
+      <p:nvGrpSpPr>
         <p:cNvPr id="1" name="Shape 885"/>
         <p:cNvGrpSpPr/>
         <p:nvPr/>
@@ -14379,7 +15450,15 @@
                   <a:schemeClr val="accent3"/>
                 </a:solidFill>
               </a:rPr>
-              <a:t>Language C++</a:t>
+              <a:t>Language: </a:t>
+            </a:r>
+            <a:r>
+              <a:rPr lang="en" sz="1400" dirty="0" smtClean="0">
+                <a:solidFill>
+                  <a:schemeClr val="accent3"/>
+                </a:solidFill>
+              </a:rPr>
+              <a:t>C++</a:t>
             </a:r>
             <a:endParaRPr sz="1400" dirty="0">
               <a:solidFill>
@@ -15056,7 +16135,7 @@
 </p:sld>
 </file>
 
-<file path=ppt/slides/slide5.xml><?xml version="1.0" encoding="utf-8"?>
+<file path=ppt/slides/slide6.xml><?xml version="1.0" encoding="utf-8"?>
 <p:sld xmlns:a="http://schemas.openxmlformats.org/drawingml/2006/main" xmlns:r="http://schemas.openxmlformats.org/officeDocument/2006/relationships" xmlns:p="http://schemas.openxmlformats.org/presentationml/2006/main">
   <p:cSld>
     <p:spTree>
@@ -15220,14 +16299,22 @@
               <a:buNone/>
             </a:pPr>
             <a:r>
-              <a:rPr lang="en" sz="1400">
+              <a:rPr lang="en" sz="1400" dirty="0">
                 <a:solidFill>
                   <a:schemeClr val="accent3"/>
                 </a:solidFill>
               </a:rPr>
-              <a:t>Programming Language</a:t>
-            </a:r>
-            <a:endParaRPr sz="1400">
+              <a:t>Programming </a:t>
+            </a:r>
+            <a:r>
+              <a:rPr lang="en" sz="1400" dirty="0" smtClean="0">
+                <a:solidFill>
+                  <a:schemeClr val="accent3"/>
+                </a:solidFill>
+              </a:rPr>
+              <a:t>Language: C++</a:t>
+            </a:r>
+            <a:endParaRPr sz="1400" dirty="0">
               <a:solidFill>
                 <a:schemeClr val="accent3"/>
               </a:solidFill>
@@ -15824,18 +16911,7 @@
                   </a:schemeClr>
                 </a:solidFill>
               </a:rPr>
-              <a:t>“</a:t>
-            </a:r>
-            <a:r>
-              <a:rPr lang="en-US" dirty="0" smtClean="0">
-                <a:solidFill>
-                  <a:schemeClr val="accent2">
-                    <a:lumMod val="40000"/>
-                    <a:lumOff val="60000"/>
-                  </a:schemeClr>
-                </a:solidFill>
-              </a:rPr>
-              <a:t>quick test…”</a:t>
+              <a:t>“quick test…”</a:t>
             </a:r>
             <a:r>
               <a:rPr lang="en-US" dirty="0" smtClean="0">
